--- a/工程計算與設計/Project/影像金字塔輔助學習程式.pptx
+++ b/工程計算與設計/Project/影像金字塔輔助學習程式.pptx
@@ -199,7 +199,7 @@
           </a:lstStyle>
           <a:p>
             <a:r>
-              <a:rPr lang="zh-TW" altLang="en-US" smtClean="0"/>
+              <a:rPr lang="zh-TW" altLang="en-US"/>
               <a:t>按一下以編輯母片標題樣式</a:t>
             </a:r>
             <a:endParaRPr lang="en-US" dirty="0"/>
@@ -266,7 +266,7 @@
           </a:lstStyle>
           <a:p>
             <a:r>
-              <a:rPr lang="zh-TW" altLang="en-US" smtClean="0"/>
+              <a:rPr lang="zh-TW" altLang="en-US"/>
               <a:t>按一下以編輯母片副標題樣式</a:t>
             </a:r>
             <a:endParaRPr lang="en-US" dirty="0"/>
@@ -295,7 +295,7 @@
           <a:p>
             <a:fld id="{48A87A34-81AB-432B-8DAE-1953F412C126}" type="datetimeFigureOut">
               <a:rPr lang="en-US" dirty="0"/>
-              <a:t>12/29/2018</a:t>
+              <a:t>12/30/2018</a:t>
             </a:fld>
             <a:endParaRPr lang="en-US" dirty="0"/>
           </a:p>
@@ -403,7 +403,7 @@
           </a:lstStyle>
           <a:p>
             <a:r>
-              <a:rPr lang="zh-TW" altLang="en-US" smtClean="0"/>
+              <a:rPr lang="zh-TW" altLang="en-US"/>
               <a:t>按一下以編輯母片標題樣式</a:t>
             </a:r>
             <a:endParaRPr lang="en-US" dirty="0"/>
@@ -468,7 +468,7 @@
           </a:lstStyle>
           <a:p>
             <a:r>
-              <a:rPr lang="zh-TW" altLang="en-US" smtClean="0"/>
+              <a:rPr lang="zh-TW" altLang="en-US"/>
               <a:t>按一下圖示以新增圖片</a:t>
             </a:r>
             <a:endParaRPr lang="en-US" dirty="0"/>
@@ -534,7 +534,7 @@
           <a:p>
             <a:pPr lvl="0"/>
             <a:r>
-              <a:rPr lang="zh-TW" altLang="en-US" smtClean="0"/>
+              <a:rPr lang="zh-TW" altLang="en-US"/>
               <a:t>編輯母片文字樣式</a:t>
             </a:r>
           </a:p>
@@ -557,7 +557,7 @@
           <a:p>
             <a:fld id="{48A87A34-81AB-432B-8DAE-1953F412C126}" type="datetimeFigureOut">
               <a:rPr lang="en-US" dirty="0"/>
-              <a:t>12/29/2018</a:t>
+              <a:t>12/30/2018</a:t>
             </a:fld>
             <a:endParaRPr lang="en-US" dirty="0"/>
           </a:p>
@@ -685,7 +685,7 @@
           </a:lstStyle>
           <a:p>
             <a:r>
-              <a:rPr lang="zh-TW" altLang="en-US" smtClean="0"/>
+              <a:rPr lang="zh-TW" altLang="en-US"/>
               <a:t>按一下以編輯母片標題樣式</a:t>
             </a:r>
             <a:endParaRPr lang="en-US" dirty="0"/>
@@ -751,7 +751,7 @@
           <a:p>
             <a:pPr lvl="0"/>
             <a:r>
-              <a:rPr lang="zh-TW" altLang="en-US" smtClean="0"/>
+              <a:rPr lang="zh-TW" altLang="en-US"/>
               <a:t>編輯母片文字樣式</a:t>
             </a:r>
           </a:p>
@@ -784,7 +784,7 @@
             <a:fld id="{48A87A34-81AB-432B-8DAE-1953F412C126}" type="datetimeFigureOut">
               <a:rPr lang="en-US" dirty="0"/>
               <a:pPr/>
-              <a:t>12/29/2018</a:t>
+              <a:t>12/30/2018</a:t>
             </a:fld>
             <a:endParaRPr lang="en-US" dirty="0"/>
           </a:p>
@@ -922,7 +922,7 @@
           </a:lstStyle>
           <a:p>
             <a:r>
-              <a:rPr lang="zh-TW" altLang="en-US" smtClean="0"/>
+              <a:rPr lang="zh-TW" altLang="en-US"/>
               <a:t>按一下以編輯母片標題樣式</a:t>
             </a:r>
             <a:endParaRPr lang="en-US" dirty="0"/>
@@ -990,7 +990,7 @@
           <a:p>
             <a:pPr lvl="0"/>
             <a:r>
-              <a:rPr lang="zh-TW" altLang="en-US" smtClean="0"/>
+              <a:rPr lang="zh-TW" altLang="en-US"/>
               <a:t>編輯母片文字樣式</a:t>
             </a:r>
           </a:p>
@@ -1057,7 +1057,7 @@
           <a:p>
             <a:pPr lvl="0"/>
             <a:r>
-              <a:rPr lang="zh-TW" altLang="en-US" smtClean="0"/>
+              <a:rPr lang="zh-TW" altLang="en-US"/>
               <a:t>編輯母片文字樣式</a:t>
             </a:r>
           </a:p>
@@ -1090,7 +1090,7 @@
             <a:fld id="{48A87A34-81AB-432B-8DAE-1953F412C126}" type="datetimeFigureOut">
               <a:rPr lang="en-US" dirty="0"/>
               <a:pPr/>
-              <a:t>12/29/2018</a:t>
+              <a:t>12/30/2018</a:t>
             </a:fld>
             <a:endParaRPr lang="en-US" dirty="0"/>
           </a:p>
@@ -1460,7 +1460,7 @@
           </a:lstStyle>
           <a:p>
             <a:r>
-              <a:rPr lang="zh-TW" altLang="en-US" smtClean="0"/>
+              <a:rPr lang="zh-TW" altLang="en-US"/>
               <a:t>按一下以編輯母片標題樣式</a:t>
             </a:r>
             <a:endParaRPr lang="en-US" dirty="0"/>
@@ -1526,7 +1526,7 @@
           <a:p>
             <a:pPr lvl="0"/>
             <a:r>
-              <a:rPr lang="zh-TW" altLang="en-US" smtClean="0"/>
+              <a:rPr lang="zh-TW" altLang="en-US"/>
               <a:t>編輯母片文字樣式</a:t>
             </a:r>
           </a:p>
@@ -1559,7 +1559,7 @@
             <a:fld id="{48A87A34-81AB-432B-8DAE-1953F412C126}" type="datetimeFigureOut">
               <a:rPr lang="en-US" dirty="0"/>
               <a:pPr/>
-              <a:t>12/29/2018</a:t>
+              <a:t>12/30/2018</a:t>
             </a:fld>
             <a:endParaRPr lang="en-US" dirty="0"/>
           </a:p>
@@ -1663,7 +1663,7 @@
           <a:lstStyle/>
           <a:p>
             <a:r>
-              <a:rPr lang="zh-TW" altLang="en-US" smtClean="0"/>
+              <a:rPr lang="zh-TW" altLang="en-US"/>
               <a:t>按一下以編輯母片標題樣式</a:t>
             </a:r>
             <a:endParaRPr lang="en-US" dirty="0"/>
@@ -1735,7 +1735,7 @@
           <a:p>
             <a:pPr lvl="0"/>
             <a:r>
-              <a:rPr lang="zh-TW" altLang="en-US" smtClean="0"/>
+              <a:rPr lang="zh-TW" altLang="en-US"/>
               <a:t>編輯母片文字樣式</a:t>
             </a:r>
           </a:p>
@@ -1802,7 +1802,7 @@
           <a:p>
             <a:pPr lvl="0"/>
             <a:r>
-              <a:rPr lang="zh-TW" altLang="en-US" smtClean="0"/>
+              <a:rPr lang="zh-TW" altLang="en-US"/>
               <a:t>編輯母片文字樣式</a:t>
             </a:r>
           </a:p>
@@ -1873,7 +1873,7 @@
           <a:p>
             <a:pPr lvl="0"/>
             <a:r>
-              <a:rPr lang="zh-TW" altLang="en-US" smtClean="0"/>
+              <a:rPr lang="zh-TW" altLang="en-US"/>
               <a:t>編輯母片文字樣式</a:t>
             </a:r>
           </a:p>
@@ -1940,7 +1940,7 @@
           <a:p>
             <a:pPr lvl="0"/>
             <a:r>
-              <a:rPr lang="zh-TW" altLang="en-US" smtClean="0"/>
+              <a:rPr lang="zh-TW" altLang="en-US"/>
               <a:t>編輯母片文字樣式</a:t>
             </a:r>
           </a:p>
@@ -2011,7 +2011,7 @@
           <a:p>
             <a:pPr lvl="0"/>
             <a:r>
-              <a:rPr lang="zh-TW" altLang="en-US" smtClean="0"/>
+              <a:rPr lang="zh-TW" altLang="en-US"/>
               <a:t>編輯母片文字樣式</a:t>
             </a:r>
           </a:p>
@@ -2078,7 +2078,7 @@
           <a:p>
             <a:pPr lvl="0"/>
             <a:r>
-              <a:rPr lang="zh-TW" altLang="en-US" smtClean="0"/>
+              <a:rPr lang="zh-TW" altLang="en-US"/>
               <a:t>編輯母片文字樣式</a:t>
             </a:r>
           </a:p>
@@ -2101,7 +2101,7 @@
           <a:p>
             <a:fld id="{48A87A34-81AB-432B-8DAE-1953F412C126}" type="datetimeFigureOut">
               <a:rPr lang="en-US" dirty="0"/>
-              <a:t>12/29/2018</a:t>
+              <a:t>12/30/2018</a:t>
             </a:fld>
             <a:endParaRPr lang="en-US" dirty="0"/>
           </a:p>
@@ -2195,7 +2195,7 @@
           <a:lstStyle/>
           <a:p>
             <a:r>
-              <a:rPr lang="zh-TW" altLang="en-US" smtClean="0"/>
+              <a:rPr lang="zh-TW" altLang="en-US"/>
               <a:t>按一下以編輯母片標題樣式</a:t>
             </a:r>
             <a:endParaRPr lang="en-US" dirty="0"/>
@@ -2267,7 +2267,7 @@
           <a:p>
             <a:pPr lvl="0"/>
             <a:r>
-              <a:rPr lang="zh-TW" altLang="en-US" smtClean="0"/>
+              <a:rPr lang="zh-TW" altLang="en-US"/>
               <a:t>編輯母片文字樣式</a:t>
             </a:r>
           </a:p>
@@ -2345,7 +2345,7 @@
           </a:lstStyle>
           <a:p>
             <a:r>
-              <a:rPr lang="zh-TW" altLang="en-US" smtClean="0"/>
+              <a:rPr lang="zh-TW" altLang="en-US"/>
               <a:t>按一下圖示以新增圖片</a:t>
             </a:r>
             <a:endParaRPr lang="en-US" dirty="0"/>
@@ -2413,7 +2413,7 @@
           <a:p>
             <a:pPr lvl="0"/>
             <a:r>
-              <a:rPr lang="zh-TW" altLang="en-US" smtClean="0"/>
+              <a:rPr lang="zh-TW" altLang="en-US"/>
               <a:t>編輯母片文字樣式</a:t>
             </a:r>
           </a:p>
@@ -2484,7 +2484,7 @@
           <a:p>
             <a:pPr lvl="0"/>
             <a:r>
-              <a:rPr lang="zh-TW" altLang="en-US" smtClean="0"/>
+              <a:rPr lang="zh-TW" altLang="en-US"/>
               <a:t>編輯母片文字樣式</a:t>
             </a:r>
           </a:p>
@@ -2562,7 +2562,7 @@
           </a:lstStyle>
           <a:p>
             <a:r>
-              <a:rPr lang="zh-TW" altLang="en-US" smtClean="0"/>
+              <a:rPr lang="zh-TW" altLang="en-US"/>
               <a:t>按一下圖示以新增圖片</a:t>
             </a:r>
             <a:endParaRPr lang="en-US" dirty="0"/>
@@ -2630,7 +2630,7 @@
           <a:p>
             <a:pPr lvl="0"/>
             <a:r>
-              <a:rPr lang="zh-TW" altLang="en-US" smtClean="0"/>
+              <a:rPr lang="zh-TW" altLang="en-US"/>
               <a:t>編輯母片文字樣式</a:t>
             </a:r>
           </a:p>
@@ -2701,7 +2701,7 @@
           <a:p>
             <a:pPr lvl="0"/>
             <a:r>
-              <a:rPr lang="zh-TW" altLang="en-US" smtClean="0"/>
+              <a:rPr lang="zh-TW" altLang="en-US"/>
               <a:t>編輯母片文字樣式</a:t>
             </a:r>
           </a:p>
@@ -2779,7 +2779,7 @@
           </a:lstStyle>
           <a:p>
             <a:r>
-              <a:rPr lang="zh-TW" altLang="en-US" smtClean="0"/>
+              <a:rPr lang="zh-TW" altLang="en-US"/>
               <a:t>按一下圖示以新增圖片</a:t>
             </a:r>
             <a:endParaRPr lang="en-US" dirty="0"/>
@@ -2847,7 +2847,7 @@
           <a:p>
             <a:pPr lvl="0"/>
             <a:r>
-              <a:rPr lang="zh-TW" altLang="en-US" smtClean="0"/>
+              <a:rPr lang="zh-TW" altLang="en-US"/>
               <a:t>編輯母片文字樣式</a:t>
             </a:r>
           </a:p>
@@ -2870,7 +2870,7 @@
           <a:p>
             <a:fld id="{48A87A34-81AB-432B-8DAE-1953F412C126}" type="datetimeFigureOut">
               <a:rPr lang="en-US" dirty="0"/>
-              <a:t>12/29/2018</a:t>
+              <a:t>12/30/2018</a:t>
             </a:fld>
             <a:endParaRPr lang="en-US" dirty="0"/>
           </a:p>
@@ -2959,7 +2959,7 @@
           <a:lstStyle/>
           <a:p>
             <a:r>
-              <a:rPr lang="zh-TW" altLang="en-US" smtClean="0"/>
+              <a:rPr lang="zh-TW" altLang="en-US"/>
               <a:t>按一下以編輯母片標題樣式</a:t>
             </a:r>
             <a:endParaRPr lang="en-US" dirty="0"/>
@@ -2988,35 +2988,35 @@
           <a:p>
             <a:pPr lvl="0"/>
             <a:r>
-              <a:rPr lang="zh-TW" altLang="en-US" smtClean="0"/>
+              <a:rPr lang="zh-TW" altLang="en-US"/>
               <a:t>編輯母片文字樣式</a:t>
             </a:r>
           </a:p>
           <a:p>
             <a:pPr lvl="1"/>
             <a:r>
-              <a:rPr lang="zh-TW" altLang="en-US" smtClean="0"/>
+              <a:rPr lang="zh-TW" altLang="en-US"/>
               <a:t>第二層</a:t>
             </a:r>
           </a:p>
           <a:p>
             <a:pPr lvl="2"/>
             <a:r>
-              <a:rPr lang="zh-TW" altLang="en-US" smtClean="0"/>
+              <a:rPr lang="zh-TW" altLang="en-US"/>
               <a:t>第三層</a:t>
             </a:r>
           </a:p>
           <a:p>
             <a:pPr lvl="3"/>
             <a:r>
-              <a:rPr lang="zh-TW" altLang="en-US" smtClean="0"/>
+              <a:rPr lang="zh-TW" altLang="en-US"/>
               <a:t>第四層</a:t>
             </a:r>
           </a:p>
           <a:p>
             <a:pPr lvl="4"/>
             <a:r>
-              <a:rPr lang="zh-TW" altLang="en-US" smtClean="0"/>
+              <a:rPr lang="zh-TW" altLang="en-US"/>
               <a:t>第五層</a:t>
             </a:r>
             <a:endParaRPr lang="en-US" dirty="0"/>
@@ -3040,7 +3040,7 @@
           <a:p>
             <a:fld id="{48A87A34-81AB-432B-8DAE-1953F412C126}" type="datetimeFigureOut">
               <a:rPr lang="en-US" dirty="0"/>
-              <a:t>12/29/2018</a:t>
+              <a:t>12/30/2018</a:t>
             </a:fld>
             <a:endParaRPr lang="en-US" dirty="0"/>
           </a:p>
@@ -3168,7 +3168,7 @@
           </a:lstStyle>
           <a:p>
             <a:r>
-              <a:rPr lang="zh-TW" altLang="en-US" smtClean="0"/>
+              <a:rPr lang="zh-TW" altLang="en-US"/>
               <a:t>按一下以編輯母片標題樣式</a:t>
             </a:r>
             <a:endParaRPr lang="en-US" dirty="0"/>
@@ -3197,35 +3197,35 @@
           <a:p>
             <a:pPr lvl="0"/>
             <a:r>
-              <a:rPr lang="zh-TW" altLang="en-US" smtClean="0"/>
+              <a:rPr lang="zh-TW" altLang="en-US"/>
               <a:t>編輯母片文字樣式</a:t>
             </a:r>
           </a:p>
           <a:p>
             <a:pPr lvl="1"/>
             <a:r>
-              <a:rPr lang="zh-TW" altLang="en-US" smtClean="0"/>
+              <a:rPr lang="zh-TW" altLang="en-US"/>
               <a:t>第二層</a:t>
             </a:r>
           </a:p>
           <a:p>
             <a:pPr lvl="2"/>
             <a:r>
-              <a:rPr lang="zh-TW" altLang="en-US" smtClean="0"/>
+              <a:rPr lang="zh-TW" altLang="en-US"/>
               <a:t>第三層</a:t>
             </a:r>
           </a:p>
           <a:p>
             <a:pPr lvl="3"/>
             <a:r>
-              <a:rPr lang="zh-TW" altLang="en-US" smtClean="0"/>
+              <a:rPr lang="zh-TW" altLang="en-US"/>
               <a:t>第四層</a:t>
             </a:r>
           </a:p>
           <a:p>
             <a:pPr lvl="4"/>
             <a:r>
-              <a:rPr lang="zh-TW" altLang="en-US" smtClean="0"/>
+              <a:rPr lang="zh-TW" altLang="en-US"/>
               <a:t>第五層</a:t>
             </a:r>
             <a:endParaRPr lang="en-US" dirty="0"/>
@@ -3259,7 +3259,7 @@
             <a:fld id="{48A87A34-81AB-432B-8DAE-1953F412C126}" type="datetimeFigureOut">
               <a:rPr lang="en-US" dirty="0"/>
               <a:pPr/>
-              <a:t>12/29/2018</a:t>
+              <a:t>12/30/2018</a:t>
             </a:fld>
             <a:endParaRPr lang="en-US" dirty="0"/>
           </a:p>
@@ -3358,7 +3358,7 @@
           <a:lstStyle/>
           <a:p>
             <a:r>
-              <a:rPr lang="zh-TW" altLang="en-US" smtClean="0"/>
+              <a:rPr lang="zh-TW" altLang="en-US"/>
               <a:t>按一下以編輯母片標題樣式</a:t>
             </a:r>
             <a:endParaRPr lang="en-US" dirty="0"/>
@@ -3382,35 +3382,35 @@
           <a:p>
             <a:pPr lvl="0"/>
             <a:r>
-              <a:rPr lang="zh-TW" altLang="en-US" smtClean="0"/>
+              <a:rPr lang="zh-TW" altLang="en-US"/>
               <a:t>編輯母片文字樣式</a:t>
             </a:r>
           </a:p>
           <a:p>
             <a:pPr lvl="1"/>
             <a:r>
-              <a:rPr lang="zh-TW" altLang="en-US" smtClean="0"/>
+              <a:rPr lang="zh-TW" altLang="en-US"/>
               <a:t>第二層</a:t>
             </a:r>
           </a:p>
           <a:p>
             <a:pPr lvl="2"/>
             <a:r>
-              <a:rPr lang="zh-TW" altLang="en-US" smtClean="0"/>
+              <a:rPr lang="zh-TW" altLang="en-US"/>
               <a:t>第三層</a:t>
             </a:r>
           </a:p>
           <a:p>
             <a:pPr lvl="3"/>
             <a:r>
-              <a:rPr lang="zh-TW" altLang="en-US" smtClean="0"/>
+              <a:rPr lang="zh-TW" altLang="en-US"/>
               <a:t>第四層</a:t>
             </a:r>
           </a:p>
           <a:p>
             <a:pPr lvl="4"/>
             <a:r>
-              <a:rPr lang="zh-TW" altLang="en-US" smtClean="0"/>
+              <a:rPr lang="zh-TW" altLang="en-US"/>
               <a:t>第五層</a:t>
             </a:r>
             <a:endParaRPr lang="en-US" dirty="0"/>
@@ -3434,7 +3434,7 @@
           <a:p>
             <a:fld id="{48A87A34-81AB-432B-8DAE-1953F412C126}" type="datetimeFigureOut">
               <a:rPr lang="en-US" dirty="0"/>
-              <a:t>12/29/2018</a:t>
+              <a:t>12/30/2018</a:t>
             </a:fld>
             <a:endParaRPr lang="en-US" dirty="0"/>
           </a:p>
@@ -3564,7 +3564,7 @@
           </a:lstStyle>
           <a:p>
             <a:r>
-              <a:rPr lang="zh-TW" altLang="en-US" smtClean="0"/>
+              <a:rPr lang="zh-TW" altLang="en-US"/>
               <a:t>按一下以編輯母片標題樣式</a:t>
             </a:r>
             <a:endParaRPr lang="en-US" dirty="0"/>
@@ -3686,7 +3686,7 @@
           <a:p>
             <a:pPr lvl="0"/>
             <a:r>
-              <a:rPr lang="zh-TW" altLang="en-US" smtClean="0"/>
+              <a:rPr lang="zh-TW" altLang="en-US"/>
               <a:t>編輯母片文字樣式</a:t>
             </a:r>
           </a:p>
@@ -3719,7 +3719,7 @@
             <a:fld id="{48A87A34-81AB-432B-8DAE-1953F412C126}" type="datetimeFigureOut">
               <a:rPr lang="en-US" dirty="0"/>
               <a:pPr/>
-              <a:t>12/29/2018</a:t>
+              <a:t>12/30/2018</a:t>
             </a:fld>
             <a:endParaRPr lang="en-US" dirty="0"/>
           </a:p>
@@ -3818,7 +3818,7 @@
           <a:lstStyle/>
           <a:p>
             <a:r>
-              <a:rPr lang="zh-TW" altLang="en-US" smtClean="0"/>
+              <a:rPr lang="zh-TW" altLang="en-US"/>
               <a:t>按一下以編輯母片標題樣式</a:t>
             </a:r>
             <a:endParaRPr lang="en-US" dirty="0"/>
@@ -3847,35 +3847,35 @@
           <a:p>
             <a:pPr lvl="0"/>
             <a:r>
-              <a:rPr lang="zh-TW" altLang="en-US" smtClean="0"/>
+              <a:rPr lang="zh-TW" altLang="en-US"/>
               <a:t>編輯母片文字樣式</a:t>
             </a:r>
           </a:p>
           <a:p>
             <a:pPr lvl="1"/>
             <a:r>
-              <a:rPr lang="zh-TW" altLang="en-US" smtClean="0"/>
+              <a:rPr lang="zh-TW" altLang="en-US"/>
               <a:t>第二層</a:t>
             </a:r>
           </a:p>
           <a:p>
             <a:pPr lvl="2"/>
             <a:r>
-              <a:rPr lang="zh-TW" altLang="en-US" smtClean="0"/>
+              <a:rPr lang="zh-TW" altLang="en-US"/>
               <a:t>第三層</a:t>
             </a:r>
           </a:p>
           <a:p>
             <a:pPr lvl="3"/>
             <a:r>
-              <a:rPr lang="zh-TW" altLang="en-US" smtClean="0"/>
+              <a:rPr lang="zh-TW" altLang="en-US"/>
               <a:t>第四層</a:t>
             </a:r>
           </a:p>
           <a:p>
             <a:pPr lvl="4"/>
             <a:r>
-              <a:rPr lang="zh-TW" altLang="en-US" smtClean="0"/>
+              <a:rPr lang="zh-TW" altLang="en-US"/>
               <a:t>第五層</a:t>
             </a:r>
             <a:endParaRPr lang="en-US" dirty="0"/>
@@ -3904,35 +3904,35 @@
           <a:p>
             <a:pPr lvl="0"/>
             <a:r>
-              <a:rPr lang="zh-TW" altLang="en-US" smtClean="0"/>
+              <a:rPr lang="zh-TW" altLang="en-US"/>
               <a:t>編輯母片文字樣式</a:t>
             </a:r>
           </a:p>
           <a:p>
             <a:pPr lvl="1"/>
             <a:r>
-              <a:rPr lang="zh-TW" altLang="en-US" smtClean="0"/>
+              <a:rPr lang="zh-TW" altLang="en-US"/>
               <a:t>第二層</a:t>
             </a:r>
           </a:p>
           <a:p>
             <a:pPr lvl="2"/>
             <a:r>
-              <a:rPr lang="zh-TW" altLang="en-US" smtClean="0"/>
+              <a:rPr lang="zh-TW" altLang="en-US"/>
               <a:t>第三層</a:t>
             </a:r>
           </a:p>
           <a:p>
             <a:pPr lvl="3"/>
             <a:r>
-              <a:rPr lang="zh-TW" altLang="en-US" smtClean="0"/>
+              <a:rPr lang="zh-TW" altLang="en-US"/>
               <a:t>第四層</a:t>
             </a:r>
           </a:p>
           <a:p>
             <a:pPr lvl="4"/>
             <a:r>
-              <a:rPr lang="zh-TW" altLang="en-US" smtClean="0"/>
+              <a:rPr lang="zh-TW" altLang="en-US"/>
               <a:t>第五層</a:t>
             </a:r>
             <a:endParaRPr lang="en-US" dirty="0"/>
@@ -3956,7 +3956,7 @@
           <a:p>
             <a:fld id="{48A87A34-81AB-432B-8DAE-1953F412C126}" type="datetimeFigureOut">
               <a:rPr lang="en-US" dirty="0"/>
-              <a:t>12/29/2018</a:t>
+              <a:t>12/30/2018</a:t>
             </a:fld>
             <a:endParaRPr lang="en-US" dirty="0"/>
           </a:p>
@@ -4050,7 +4050,7 @@
           <a:lstStyle/>
           <a:p>
             <a:r>
-              <a:rPr lang="zh-TW" altLang="en-US" smtClean="0"/>
+              <a:rPr lang="zh-TW" altLang="en-US"/>
               <a:t>按一下以編輯母片標題樣式</a:t>
             </a:r>
             <a:endParaRPr lang="en-US" dirty="0"/>
@@ -4122,7 +4122,7 @@
           <a:p>
             <a:pPr lvl="0"/>
             <a:r>
-              <a:rPr lang="zh-TW" altLang="en-US" smtClean="0"/>
+              <a:rPr lang="zh-TW" altLang="en-US"/>
               <a:t>編輯母片文字樣式</a:t>
             </a:r>
           </a:p>
@@ -4150,35 +4150,35 @@
           <a:p>
             <a:pPr lvl="0"/>
             <a:r>
-              <a:rPr lang="zh-TW" altLang="en-US" smtClean="0"/>
+              <a:rPr lang="zh-TW" altLang="en-US"/>
               <a:t>編輯母片文字樣式</a:t>
             </a:r>
           </a:p>
           <a:p>
             <a:pPr lvl="1"/>
             <a:r>
-              <a:rPr lang="zh-TW" altLang="en-US" smtClean="0"/>
+              <a:rPr lang="zh-TW" altLang="en-US"/>
               <a:t>第二層</a:t>
             </a:r>
           </a:p>
           <a:p>
             <a:pPr lvl="2"/>
             <a:r>
-              <a:rPr lang="zh-TW" altLang="en-US" smtClean="0"/>
+              <a:rPr lang="zh-TW" altLang="en-US"/>
               <a:t>第三層</a:t>
             </a:r>
           </a:p>
           <a:p>
             <a:pPr lvl="3"/>
             <a:r>
-              <a:rPr lang="zh-TW" altLang="en-US" smtClean="0"/>
+              <a:rPr lang="zh-TW" altLang="en-US"/>
               <a:t>第四層</a:t>
             </a:r>
           </a:p>
           <a:p>
             <a:pPr lvl="4"/>
             <a:r>
-              <a:rPr lang="zh-TW" altLang="en-US" smtClean="0"/>
+              <a:rPr lang="zh-TW" altLang="en-US"/>
               <a:t>第五層</a:t>
             </a:r>
             <a:endParaRPr lang="en-US" dirty="0"/>
@@ -4250,7 +4250,7 @@
           <a:p>
             <a:pPr lvl="0"/>
             <a:r>
-              <a:rPr lang="zh-TW" altLang="en-US" smtClean="0"/>
+              <a:rPr lang="zh-TW" altLang="en-US"/>
               <a:t>編輯母片文字樣式</a:t>
             </a:r>
           </a:p>
@@ -4278,35 +4278,35 @@
           <a:p>
             <a:pPr lvl="0"/>
             <a:r>
-              <a:rPr lang="zh-TW" altLang="en-US" smtClean="0"/>
+              <a:rPr lang="zh-TW" altLang="en-US"/>
               <a:t>編輯母片文字樣式</a:t>
             </a:r>
           </a:p>
           <a:p>
             <a:pPr lvl="1"/>
             <a:r>
-              <a:rPr lang="zh-TW" altLang="en-US" smtClean="0"/>
+              <a:rPr lang="zh-TW" altLang="en-US"/>
               <a:t>第二層</a:t>
             </a:r>
           </a:p>
           <a:p>
             <a:pPr lvl="2"/>
             <a:r>
-              <a:rPr lang="zh-TW" altLang="en-US" smtClean="0"/>
+              <a:rPr lang="zh-TW" altLang="en-US"/>
               <a:t>第三層</a:t>
             </a:r>
           </a:p>
           <a:p>
             <a:pPr lvl="3"/>
             <a:r>
-              <a:rPr lang="zh-TW" altLang="en-US" smtClean="0"/>
+              <a:rPr lang="zh-TW" altLang="en-US"/>
               <a:t>第四層</a:t>
             </a:r>
           </a:p>
           <a:p>
             <a:pPr lvl="4"/>
             <a:r>
-              <a:rPr lang="zh-TW" altLang="en-US" smtClean="0"/>
+              <a:rPr lang="zh-TW" altLang="en-US"/>
               <a:t>第五層</a:t>
             </a:r>
             <a:endParaRPr lang="en-US" dirty="0"/>
@@ -4330,7 +4330,7 @@
           <a:p>
             <a:fld id="{48A87A34-81AB-432B-8DAE-1953F412C126}" type="datetimeFigureOut">
               <a:rPr lang="en-US" dirty="0"/>
-              <a:t>12/29/2018</a:t>
+              <a:t>12/30/2018</a:t>
             </a:fld>
             <a:endParaRPr lang="en-US" dirty="0"/>
           </a:p>
@@ -4419,7 +4419,7 @@
           <a:lstStyle/>
           <a:p>
             <a:r>
-              <a:rPr lang="zh-TW" altLang="en-US" smtClean="0"/>
+              <a:rPr lang="zh-TW" altLang="en-US"/>
               <a:t>按一下以編輯母片標題樣式</a:t>
             </a:r>
             <a:endParaRPr lang="en-US" dirty="0"/>
@@ -4443,7 +4443,7 @@
           <a:p>
             <a:fld id="{48A87A34-81AB-432B-8DAE-1953F412C126}" type="datetimeFigureOut">
               <a:rPr lang="en-US" dirty="0"/>
-              <a:t>12/29/2018</a:t>
+              <a:t>12/30/2018</a:t>
             </a:fld>
             <a:endParaRPr lang="en-US" dirty="0"/>
           </a:p>
@@ -4533,7 +4533,7 @@
           <a:p>
             <a:fld id="{48A87A34-81AB-432B-8DAE-1953F412C126}" type="datetimeFigureOut">
               <a:rPr lang="en-US" dirty="0"/>
-              <a:t>12/29/2018</a:t>
+              <a:t>12/30/2018</a:t>
             </a:fld>
             <a:endParaRPr lang="en-US" dirty="0"/>
           </a:p>
@@ -4631,7 +4631,7 @@
           </a:lstStyle>
           <a:p>
             <a:r>
-              <a:rPr lang="zh-TW" altLang="en-US" smtClean="0"/>
+              <a:rPr lang="zh-TW" altLang="en-US"/>
               <a:t>按一下以編輯母片標題樣式</a:t>
             </a:r>
             <a:endParaRPr lang="en-US" dirty="0"/>
@@ -4660,35 +4660,35 @@
           <a:p>
             <a:pPr lvl="0"/>
             <a:r>
-              <a:rPr lang="zh-TW" altLang="en-US" smtClean="0"/>
+              <a:rPr lang="zh-TW" altLang="en-US"/>
               <a:t>編輯母片文字樣式</a:t>
             </a:r>
           </a:p>
           <a:p>
             <a:pPr lvl="1"/>
             <a:r>
-              <a:rPr lang="zh-TW" altLang="en-US" smtClean="0"/>
+              <a:rPr lang="zh-TW" altLang="en-US"/>
               <a:t>第二層</a:t>
             </a:r>
           </a:p>
           <a:p>
             <a:pPr lvl="2"/>
             <a:r>
-              <a:rPr lang="zh-TW" altLang="en-US" smtClean="0"/>
+              <a:rPr lang="zh-TW" altLang="en-US"/>
               <a:t>第三層</a:t>
             </a:r>
           </a:p>
           <a:p>
             <a:pPr lvl="3"/>
             <a:r>
-              <a:rPr lang="zh-TW" altLang="en-US" smtClean="0"/>
+              <a:rPr lang="zh-TW" altLang="en-US"/>
               <a:t>第四層</a:t>
             </a:r>
           </a:p>
           <a:p>
             <a:pPr lvl="4"/>
             <a:r>
-              <a:rPr lang="zh-TW" altLang="en-US" smtClean="0"/>
+              <a:rPr lang="zh-TW" altLang="en-US"/>
               <a:t>第五層</a:t>
             </a:r>
             <a:endParaRPr lang="en-US" dirty="0"/>
@@ -4754,7 +4754,7 @@
           <a:p>
             <a:pPr lvl="0"/>
             <a:r>
-              <a:rPr lang="zh-TW" altLang="en-US" smtClean="0"/>
+              <a:rPr lang="zh-TW" altLang="en-US"/>
               <a:t>編輯母片文字樣式</a:t>
             </a:r>
           </a:p>
@@ -4777,7 +4777,7 @@
           <a:p>
             <a:fld id="{48A87A34-81AB-432B-8DAE-1953F412C126}" type="datetimeFigureOut">
               <a:rPr lang="en-US" dirty="0"/>
-              <a:t>12/29/2018</a:t>
+              <a:t>12/30/2018</a:t>
             </a:fld>
             <a:endParaRPr lang="en-US" dirty="0"/>
           </a:p>
@@ -4875,7 +4875,7 @@
           </a:lstStyle>
           <a:p>
             <a:r>
-              <a:rPr lang="zh-TW" altLang="en-US" smtClean="0"/>
+              <a:rPr lang="zh-TW" altLang="en-US"/>
               <a:t>按一下以編輯母片標題樣式</a:t>
             </a:r>
             <a:endParaRPr lang="en-US" dirty="0"/>
@@ -4940,7 +4940,7 @@
           </a:lstStyle>
           <a:p>
             <a:r>
-              <a:rPr lang="zh-TW" altLang="en-US" smtClean="0"/>
+              <a:rPr lang="zh-TW" altLang="en-US"/>
               <a:t>按一下圖示以新增圖片</a:t>
             </a:r>
             <a:endParaRPr lang="en-US" dirty="0"/>
@@ -5006,7 +5006,7 @@
           <a:p>
             <a:pPr lvl="0"/>
             <a:r>
-              <a:rPr lang="zh-TW" altLang="en-US" smtClean="0"/>
+              <a:rPr lang="zh-TW" altLang="en-US"/>
               <a:t>編輯母片文字樣式</a:t>
             </a:r>
           </a:p>
@@ -5029,7 +5029,7 @@
           <a:p>
             <a:fld id="{48A87A34-81AB-432B-8DAE-1953F412C126}" type="datetimeFigureOut">
               <a:rPr lang="en-US" dirty="0"/>
-              <a:t>12/29/2018</a:t>
+              <a:t>12/30/2018</a:t>
             </a:fld>
             <a:endParaRPr lang="en-US" dirty="0"/>
           </a:p>
@@ -5163,7 +5163,7 @@
           <a:lstStyle/>
           <a:p>
             <a:r>
-              <a:rPr lang="zh-TW" altLang="en-US" smtClean="0"/>
+              <a:rPr lang="zh-TW" altLang="en-US"/>
               <a:t>按一下以編輯母片標題樣式</a:t>
             </a:r>
             <a:endParaRPr lang="en-US" dirty="0"/>
@@ -5197,35 +5197,35 @@
           <a:p>
             <a:pPr lvl="0"/>
             <a:r>
-              <a:rPr lang="zh-TW" altLang="en-US" smtClean="0"/>
+              <a:rPr lang="zh-TW" altLang="en-US"/>
               <a:t>編輯母片文字樣式</a:t>
             </a:r>
           </a:p>
           <a:p>
             <a:pPr lvl="1"/>
             <a:r>
-              <a:rPr lang="zh-TW" altLang="en-US" smtClean="0"/>
+              <a:rPr lang="zh-TW" altLang="en-US"/>
               <a:t>第二層</a:t>
             </a:r>
           </a:p>
           <a:p>
             <a:pPr lvl="2"/>
             <a:r>
-              <a:rPr lang="zh-TW" altLang="en-US" smtClean="0"/>
+              <a:rPr lang="zh-TW" altLang="en-US"/>
               <a:t>第三層</a:t>
             </a:r>
           </a:p>
           <a:p>
             <a:pPr lvl="3"/>
             <a:r>
-              <a:rPr lang="zh-TW" altLang="en-US" smtClean="0"/>
+              <a:rPr lang="zh-TW" altLang="en-US"/>
               <a:t>第四層</a:t>
             </a:r>
           </a:p>
           <a:p>
             <a:pPr lvl="4"/>
             <a:r>
-              <a:rPr lang="zh-TW" altLang="en-US" smtClean="0"/>
+              <a:rPr lang="zh-TW" altLang="en-US"/>
               <a:t>第五層</a:t>
             </a:r>
             <a:endParaRPr lang="en-US" dirty="0"/>
@@ -5268,7 +5268,7 @@
             <a:fld id="{48A87A34-81AB-432B-8DAE-1953F412C126}" type="datetimeFigureOut">
               <a:rPr lang="en-US" dirty="0"/>
               <a:pPr/>
-              <a:t>12/29/2018</a:t>
+              <a:t>12/30/2018</a:t>
             </a:fld>
             <a:endParaRPr lang="en-US" dirty="0"/>
           </a:p>
@@ -5691,10 +5691,9 @@
           <a:lstStyle/>
           <a:p>
             <a:r>
-              <a:rPr lang="zh-TW" altLang="en-US" dirty="0" smtClean="0"/>
+              <a:rPr lang="zh-TW" altLang="en-US" dirty="0"/>
               <a:t>影像金字塔輔助學習程式</a:t>
             </a:r>
-            <a:endParaRPr lang="zh-TW" altLang="en-US" dirty="0"/>
           </a:p>
         </p:txBody>
       </p:sp>
@@ -5714,15 +5713,15 @@
           <a:lstStyle/>
           <a:p>
             <a:r>
-              <a:rPr lang="zh-TW" altLang="en-US" dirty="0" smtClean="0"/>
+              <a:rPr lang="zh-TW" altLang="en-US" dirty="0"/>
               <a:t>使用 </a:t>
             </a:r>
             <a:r>
-              <a:rPr lang="en-US" altLang="zh-TW" dirty="0" err="1" smtClean="0"/>
+              <a:rPr lang="en-US" altLang="zh-TW" dirty="0" err="1"/>
               <a:t>MatLab</a:t>
             </a:r>
             <a:r>
-              <a:rPr lang="en-US" altLang="zh-TW" dirty="0" smtClean="0"/>
+              <a:rPr lang="en-US" altLang="zh-TW" dirty="0"/>
               <a:t> App Designer</a:t>
             </a:r>
             <a:endParaRPr lang="zh-TW" altLang="en-US" dirty="0"/>
@@ -5831,87 +5830,87 @@
           <a:lstStyle/>
           <a:p>
             <a:r>
-              <a:rPr lang="en-US" altLang="zh-TW" dirty="0" smtClean="0"/>
+              <a:rPr lang="en-US" altLang="zh-TW" dirty="0"/>
               <a:t>Step4:</a:t>
             </a:r>
             <a:r>
-              <a:rPr lang="zh-TW" altLang="en-US" dirty="0" smtClean="0"/>
+              <a:rPr lang="zh-TW" altLang="en-US" dirty="0"/>
               <a:t> 根據公式我們利用</a:t>
             </a:r>
             <a:r>
-              <a:rPr lang="en-US" altLang="zh-TW" dirty="0" smtClean="0"/>
+              <a:rPr lang="en-US" altLang="zh-TW" dirty="0"/>
               <a:t>Level-1</a:t>
             </a:r>
             <a:r>
-              <a:rPr lang="zh-TW" altLang="en-US" dirty="0" smtClean="0"/>
+              <a:rPr lang="zh-TW" altLang="en-US" dirty="0"/>
               <a:t>的</a:t>
             </a:r>
             <a:r>
-              <a:rPr lang="en-US" altLang="zh-TW" dirty="0" err="1" smtClean="0"/>
+              <a:rPr lang="en-US" altLang="zh-TW" dirty="0" err="1"/>
               <a:t>Guassian</a:t>
             </a:r>
             <a:r>
-              <a:rPr lang="zh-TW" altLang="en-US" dirty="0" smtClean="0"/>
+              <a:rPr lang="zh-TW" altLang="en-US" dirty="0"/>
               <a:t> </a:t>
             </a:r>
             <a:r>
-              <a:rPr lang="en-US" altLang="zh-TW" dirty="0" smtClean="0"/>
+              <a:rPr lang="en-US" altLang="zh-TW" dirty="0"/>
               <a:t>Pyramid</a:t>
             </a:r>
             <a:r>
-              <a:rPr lang="zh-TW" altLang="en-US" dirty="0" smtClean="0"/>
+              <a:rPr lang="zh-TW" altLang="en-US" dirty="0"/>
               <a:t>減去</a:t>
             </a:r>
             <a:r>
-              <a:rPr lang="en-US" altLang="zh-TW" dirty="0" err="1" smtClean="0"/>
+              <a:rPr lang="en-US" altLang="zh-TW" dirty="0" err="1"/>
               <a:t>Pyup</a:t>
             </a:r>
             <a:r>
-              <a:rPr lang="zh-TW" altLang="en-US" dirty="0" smtClean="0"/>
+              <a:rPr lang="zh-TW" altLang="en-US" dirty="0"/>
               <a:t>的</a:t>
             </a:r>
             <a:r>
-              <a:rPr lang="en-US" altLang="zh-TW" dirty="0" smtClean="0"/>
-              <a:t>Lelel-2</a:t>
-            </a:r>
-            <a:r>
-              <a:rPr lang="zh-TW" altLang="en-US" dirty="0" smtClean="0"/>
+              <a:rPr lang="en-US" altLang="zh-TW" dirty="0"/>
+              <a:t>Level-2</a:t>
+            </a:r>
+            <a:r>
+              <a:rPr lang="zh-TW" altLang="en-US" dirty="0"/>
               <a:t> </a:t>
             </a:r>
             <a:r>
-              <a:rPr lang="en-US" altLang="zh-TW" dirty="0" err="1" smtClean="0"/>
+              <a:rPr lang="en-US" altLang="zh-TW" dirty="0" err="1"/>
               <a:t>Guassian</a:t>
             </a:r>
             <a:r>
-              <a:rPr lang="zh-TW" altLang="en-US" dirty="0" smtClean="0"/>
+              <a:rPr lang="zh-TW" altLang="en-US" dirty="0"/>
               <a:t> </a:t>
             </a:r>
             <a:r>
-              <a:rPr lang="en-US" altLang="zh-TW" dirty="0" smtClean="0"/>
+              <a:rPr lang="en-US" altLang="zh-TW" dirty="0"/>
               <a:t>Pyramid</a:t>
             </a:r>
             <a:r>
-              <a:rPr lang="zh-TW" altLang="en-US" dirty="0" smtClean="0"/>
+              <a:rPr lang="zh-TW" altLang="en-US" dirty="0"/>
               <a:t>得到</a:t>
             </a:r>
             <a:r>
-              <a:rPr lang="en-US" altLang="zh-TW" dirty="0" smtClean="0"/>
+              <a:rPr lang="en-US" altLang="zh-TW" dirty="0"/>
               <a:t>level-1</a:t>
             </a:r>
             <a:r>
-              <a:rPr lang="zh-TW" altLang="en-US" dirty="0" smtClean="0"/>
+              <a:rPr lang="zh-TW" altLang="en-US" dirty="0"/>
               <a:t> </a:t>
             </a:r>
             <a:r>
-              <a:rPr lang="en-US" altLang="zh-TW" dirty="0" smtClean="0"/>
+              <a:rPr lang="en-US" altLang="zh-TW" dirty="0"/>
               <a:t>Laplacian</a:t>
             </a:r>
             <a:r>
-              <a:rPr lang="zh-TW" altLang="en-US" dirty="0" smtClean="0"/>
+              <a:rPr lang="zh-TW" altLang="en-US" dirty="0"/>
               <a:t> </a:t>
             </a:r>
             <a:r>
-              <a:rPr lang="en-US" altLang="zh-TW" dirty="0" smtClean="0"/>
+              <a:rPr lang="en-US" altLang="zh-TW" dirty="0"/>
               <a:t>Pyramid</a:t>
             </a:r>
           </a:p>
@@ -6782,13 +6781,6 @@
   <p:clrMapOvr>
     <a:masterClrMapping/>
   </p:clrMapOvr>
-  <p:timing>
-    <p:tnLst>
-      <p:par>
-        <p:cTn id="1" dur="indefinite" restart="never" nodeType="tmRoot"/>
-      </p:par>
-    </p:tnLst>
-  </p:timing>
 </p:sld>
 </file>
 
@@ -6881,87 +6873,87 @@
           <a:lstStyle/>
           <a:p>
             <a:r>
-              <a:rPr lang="en-US" altLang="zh-TW" dirty="0" smtClean="0"/>
+              <a:rPr lang="en-US" altLang="zh-TW" dirty="0"/>
               <a:t>Step5:</a:t>
             </a:r>
             <a:r>
-              <a:rPr lang="zh-TW" altLang="en-US" dirty="0" smtClean="0"/>
+              <a:rPr lang="zh-TW" altLang="en-US" dirty="0"/>
               <a:t> 根據公式我們利用</a:t>
             </a:r>
             <a:r>
-              <a:rPr lang="en-US" altLang="zh-TW" dirty="0" smtClean="0"/>
+              <a:rPr lang="en-US" altLang="zh-TW" dirty="0"/>
               <a:t>Level-2</a:t>
             </a:r>
             <a:r>
-              <a:rPr lang="zh-TW" altLang="en-US" dirty="0" smtClean="0"/>
+              <a:rPr lang="zh-TW" altLang="en-US" dirty="0"/>
               <a:t>的</a:t>
             </a:r>
             <a:r>
-              <a:rPr lang="en-US" altLang="zh-TW" dirty="0" err="1" smtClean="0"/>
+              <a:rPr lang="en-US" altLang="zh-TW" dirty="0" err="1"/>
               <a:t>Guassian</a:t>
             </a:r>
             <a:r>
-              <a:rPr lang="zh-TW" altLang="en-US" dirty="0" smtClean="0"/>
+              <a:rPr lang="zh-TW" altLang="en-US" dirty="0"/>
               <a:t> </a:t>
             </a:r>
             <a:r>
-              <a:rPr lang="en-US" altLang="zh-TW" dirty="0" smtClean="0"/>
+              <a:rPr lang="en-US" altLang="zh-TW" dirty="0"/>
               <a:t>Pyramid</a:t>
             </a:r>
             <a:r>
-              <a:rPr lang="zh-TW" altLang="en-US" dirty="0" smtClean="0"/>
+              <a:rPr lang="zh-TW" altLang="en-US" dirty="0"/>
               <a:t>減去</a:t>
             </a:r>
             <a:r>
-              <a:rPr lang="en-US" altLang="zh-TW" dirty="0" err="1" smtClean="0"/>
+              <a:rPr lang="en-US" altLang="zh-TW" dirty="0" err="1"/>
               <a:t>Pyup</a:t>
             </a:r>
             <a:r>
-              <a:rPr lang="zh-TW" altLang="en-US" dirty="0" smtClean="0"/>
+              <a:rPr lang="zh-TW" altLang="en-US" dirty="0"/>
               <a:t>的</a:t>
             </a:r>
             <a:r>
-              <a:rPr lang="en-US" altLang="zh-TW" dirty="0" smtClean="0"/>
+              <a:rPr lang="en-US" altLang="zh-TW" dirty="0"/>
               <a:t>Lelel-3</a:t>
             </a:r>
             <a:r>
-              <a:rPr lang="zh-TW" altLang="en-US" dirty="0" smtClean="0"/>
+              <a:rPr lang="zh-TW" altLang="en-US" dirty="0"/>
               <a:t> </a:t>
             </a:r>
             <a:r>
-              <a:rPr lang="en-US" altLang="zh-TW" dirty="0" err="1" smtClean="0"/>
+              <a:rPr lang="en-US" altLang="zh-TW" dirty="0" err="1"/>
               <a:t>Guassian</a:t>
             </a:r>
             <a:r>
-              <a:rPr lang="zh-TW" altLang="en-US" dirty="0" smtClean="0"/>
+              <a:rPr lang="zh-TW" altLang="en-US" dirty="0"/>
               <a:t> </a:t>
             </a:r>
             <a:r>
-              <a:rPr lang="en-US" altLang="zh-TW" dirty="0" smtClean="0"/>
+              <a:rPr lang="en-US" altLang="zh-TW" dirty="0"/>
               <a:t>Pyramid</a:t>
             </a:r>
             <a:r>
-              <a:rPr lang="zh-TW" altLang="en-US" dirty="0" smtClean="0"/>
+              <a:rPr lang="zh-TW" altLang="en-US" dirty="0"/>
               <a:t>得到</a:t>
             </a:r>
             <a:r>
-              <a:rPr lang="en-US" altLang="zh-TW" dirty="0" smtClean="0"/>
+              <a:rPr lang="en-US" altLang="zh-TW" dirty="0"/>
               <a:t>level-2</a:t>
             </a:r>
             <a:r>
-              <a:rPr lang="zh-TW" altLang="en-US" dirty="0" smtClean="0"/>
+              <a:rPr lang="zh-TW" altLang="en-US" dirty="0"/>
               <a:t> </a:t>
             </a:r>
             <a:r>
-              <a:rPr lang="en-US" altLang="zh-TW" dirty="0" smtClean="0"/>
+              <a:rPr lang="en-US" altLang="zh-TW" dirty="0"/>
               <a:t>Laplacian</a:t>
             </a:r>
             <a:r>
-              <a:rPr lang="zh-TW" altLang="en-US" dirty="0" smtClean="0"/>
+              <a:rPr lang="zh-TW" altLang="en-US" dirty="0"/>
               <a:t> </a:t>
             </a:r>
             <a:r>
-              <a:rPr lang="en-US" altLang="zh-TW" dirty="0" smtClean="0"/>
+              <a:rPr lang="en-US" altLang="zh-TW" dirty="0"/>
               <a:t>Pyramid</a:t>
             </a:r>
           </a:p>
@@ -7832,13 +7824,6 @@
   <p:clrMapOvr>
     <a:masterClrMapping/>
   </p:clrMapOvr>
-  <p:timing>
-    <p:tnLst>
-      <p:par>
-        <p:cTn id="1" dur="indefinite" restart="never" nodeType="tmRoot"/>
-      </p:par>
-    </p:tnLst>
-  </p:timing>
 </p:sld>
 </file>
 
@@ -7931,19 +7916,19 @@
           <a:lstStyle/>
           <a:p>
             <a:r>
-              <a:rPr lang="en-US" altLang="zh-TW" dirty="0" smtClean="0"/>
+              <a:rPr lang="en-US" altLang="zh-TW" dirty="0"/>
               <a:t>Step6:</a:t>
             </a:r>
             <a:r>
-              <a:rPr lang="zh-TW" altLang="en-US" dirty="0" smtClean="0"/>
+              <a:rPr lang="zh-TW" altLang="en-US" dirty="0"/>
               <a:t> 根據公式我們利用</a:t>
             </a:r>
             <a:r>
-              <a:rPr lang="en-US" altLang="zh-TW" dirty="0" smtClean="0"/>
+              <a:rPr lang="en-US" altLang="zh-TW" dirty="0"/>
               <a:t>Level-2</a:t>
             </a:r>
             <a:r>
-              <a:rPr lang="zh-TW" altLang="en-US" dirty="0" smtClean="0"/>
+              <a:rPr lang="zh-TW" altLang="en-US" dirty="0"/>
               <a:t>的</a:t>
             </a:r>
             <a:r>
@@ -7961,47 +7946,23 @@
           </a:p>
           <a:p>
             <a:r>
-              <a:rPr lang="zh-TW" altLang="en-US" dirty="0" smtClean="0"/>
+              <a:rPr lang="zh-TW" altLang="en-US" dirty="0"/>
               <a:t>加回低解析度</a:t>
             </a:r>
             <a:r>
-              <a:rPr lang="en-US" altLang="zh-TW" dirty="0" err="1" smtClean="0"/>
+              <a:rPr lang="en-US" altLang="zh-TW" dirty="0" err="1"/>
               <a:t>Pyup</a:t>
             </a:r>
             <a:r>
-              <a:rPr lang="zh-TW" altLang="en-US" dirty="0" smtClean="0"/>
+              <a:rPr lang="zh-TW" altLang="en-US" dirty="0"/>
               <a:t>的</a:t>
             </a:r>
             <a:r>
-              <a:rPr lang="en-US" altLang="zh-TW" dirty="0" smtClean="0"/>
+              <a:rPr lang="en-US" altLang="zh-TW" dirty="0"/>
               <a:t>Level-3</a:t>
             </a:r>
             <a:r>
-              <a:rPr lang="zh-TW" altLang="en-US" dirty="0" smtClean="0"/>
-              <a:t> </a:t>
-            </a:r>
-            <a:r>
-              <a:rPr lang="en-US" altLang="zh-TW" dirty="0" err="1" smtClean="0"/>
-              <a:t>Guassian</a:t>
-            </a:r>
-            <a:r>
-              <a:rPr lang="zh-TW" altLang="en-US" dirty="0" smtClean="0"/>
-              <a:t> </a:t>
-            </a:r>
-            <a:r>
-              <a:rPr lang="en-US" altLang="zh-TW" dirty="0" smtClean="0"/>
-              <a:t>Pyramid</a:t>
-            </a:r>
-            <a:r>
-              <a:rPr lang="zh-TW" altLang="en-US" dirty="0" smtClean="0"/>
-              <a:t>得到</a:t>
-            </a:r>
-            <a:r>
-              <a:rPr lang="en-US" altLang="zh-TW" dirty="0" smtClean="0"/>
-              <a:t>level-2</a:t>
-            </a:r>
-            <a:r>
-              <a:rPr lang="zh-TW" altLang="en-US" dirty="0" smtClean="0"/>
+              <a:rPr lang="zh-TW" altLang="en-US" dirty="0"/>
               <a:t> </a:t>
             </a:r>
             <a:r>
@@ -8009,24 +7970,44 @@
               <a:t>Guassian</a:t>
             </a:r>
             <a:r>
-              <a:rPr lang="zh-TW" altLang="en-US" dirty="0" smtClean="0"/>
+              <a:rPr lang="zh-TW" altLang="en-US" dirty="0"/>
               <a:t> </a:t>
             </a:r>
             <a:r>
-              <a:rPr lang="en-US" altLang="zh-TW" dirty="0" smtClean="0"/>
+              <a:rPr lang="en-US" altLang="zh-TW" dirty="0"/>
               <a:t>Pyramid</a:t>
             </a:r>
-          </a:p>
-          <a:p>
-            <a:r>
-              <a:rPr lang="zh-TW" altLang="en-US" dirty="0" smtClean="0"/>
-              <a:t>這是第一次影像重</a:t>
-            </a:r>
             <a:r>
               <a:rPr lang="zh-TW" altLang="en-US" dirty="0"/>
-              <a:t>建</a:t>
-            </a:r>
-            <a:endParaRPr lang="en-US" altLang="zh-TW" dirty="0" smtClean="0"/>
+              <a:t>得到</a:t>
+            </a:r>
+            <a:r>
+              <a:rPr lang="en-US" altLang="zh-TW" dirty="0"/>
+              <a:t>level-2</a:t>
+            </a:r>
+            <a:r>
+              <a:rPr lang="zh-TW" altLang="en-US" dirty="0"/>
+              <a:t> </a:t>
+            </a:r>
+            <a:r>
+              <a:rPr lang="en-US" altLang="zh-TW" dirty="0" err="1"/>
+              <a:t>Guassian</a:t>
+            </a:r>
+            <a:r>
+              <a:rPr lang="zh-TW" altLang="en-US" dirty="0"/>
+              <a:t> </a:t>
+            </a:r>
+            <a:r>
+              <a:rPr lang="en-US" altLang="zh-TW" dirty="0"/>
+              <a:t>Pyramid</a:t>
+            </a:r>
+          </a:p>
+          <a:p>
+            <a:r>
+              <a:rPr lang="zh-TW" altLang="en-US" dirty="0"/>
+              <a:t>這是第一次影像重建</a:t>
+            </a:r>
+            <a:endParaRPr lang="en-US" altLang="zh-TW" dirty="0"/>
           </a:p>
         </p:txBody>
       </p:sp>
@@ -8895,13 +8876,6 @@
   <p:clrMapOvr>
     <a:masterClrMapping/>
   </p:clrMapOvr>
-  <p:timing>
-    <p:tnLst>
-      <p:par>
-        <p:cTn id="1" dur="indefinite" restart="never" nodeType="tmRoot"/>
-      </p:par>
-    </p:tnLst>
-  </p:timing>
 </p:sld>
 </file>
 
@@ -8994,19 +8968,19 @@
           <a:lstStyle/>
           <a:p>
             <a:r>
-              <a:rPr lang="en-US" altLang="zh-TW" dirty="0" smtClean="0"/>
+              <a:rPr lang="en-US" altLang="zh-TW" dirty="0"/>
               <a:t>Step7:</a:t>
             </a:r>
             <a:r>
-              <a:rPr lang="zh-TW" altLang="en-US" dirty="0" smtClean="0"/>
+              <a:rPr lang="zh-TW" altLang="en-US" dirty="0"/>
               <a:t> 根據公式我們利用</a:t>
             </a:r>
             <a:r>
-              <a:rPr lang="en-US" altLang="zh-TW" dirty="0" smtClean="0"/>
+              <a:rPr lang="en-US" altLang="zh-TW" dirty="0"/>
               <a:t>Level-1</a:t>
             </a:r>
             <a:r>
-              <a:rPr lang="zh-TW" altLang="en-US" dirty="0" smtClean="0"/>
+              <a:rPr lang="zh-TW" altLang="en-US" dirty="0"/>
               <a:t>的</a:t>
             </a:r>
             <a:r>
@@ -9024,47 +8998,23 @@
           </a:p>
           <a:p>
             <a:r>
-              <a:rPr lang="zh-TW" altLang="en-US" dirty="0" smtClean="0"/>
+              <a:rPr lang="zh-TW" altLang="en-US" dirty="0"/>
               <a:t>加回低解析度</a:t>
             </a:r>
             <a:r>
-              <a:rPr lang="en-US" altLang="zh-TW" dirty="0" err="1" smtClean="0"/>
+              <a:rPr lang="en-US" altLang="zh-TW" dirty="0" err="1"/>
               <a:t>Pyup</a:t>
             </a:r>
             <a:r>
-              <a:rPr lang="zh-TW" altLang="en-US" dirty="0" smtClean="0"/>
+              <a:rPr lang="zh-TW" altLang="en-US" dirty="0"/>
               <a:t>的</a:t>
             </a:r>
             <a:r>
-              <a:rPr lang="en-US" altLang="zh-TW" dirty="0" smtClean="0"/>
+              <a:rPr lang="en-US" altLang="zh-TW" dirty="0"/>
               <a:t>Level-2</a:t>
             </a:r>
             <a:r>
-              <a:rPr lang="zh-TW" altLang="en-US" dirty="0" smtClean="0"/>
-              <a:t> </a:t>
-            </a:r>
-            <a:r>
-              <a:rPr lang="en-US" altLang="zh-TW" dirty="0" err="1" smtClean="0"/>
-              <a:t>Guassian</a:t>
-            </a:r>
-            <a:r>
-              <a:rPr lang="zh-TW" altLang="en-US" dirty="0" smtClean="0"/>
-              <a:t> </a:t>
-            </a:r>
-            <a:r>
-              <a:rPr lang="en-US" altLang="zh-TW" dirty="0" smtClean="0"/>
-              <a:t>Pyramid</a:t>
-            </a:r>
-            <a:r>
-              <a:rPr lang="zh-TW" altLang="en-US" dirty="0" smtClean="0"/>
-              <a:t>得到</a:t>
-            </a:r>
-            <a:r>
-              <a:rPr lang="en-US" altLang="zh-TW" dirty="0" smtClean="0"/>
-              <a:t>level-1</a:t>
-            </a:r>
-            <a:r>
-              <a:rPr lang="zh-TW" altLang="en-US" dirty="0" smtClean="0"/>
+              <a:rPr lang="zh-TW" altLang="en-US" dirty="0"/>
               <a:t> </a:t>
             </a:r>
             <a:r>
@@ -9072,39 +9022,51 @@
               <a:t>Guassian</a:t>
             </a:r>
             <a:r>
-              <a:rPr lang="zh-TW" altLang="en-US" dirty="0" smtClean="0"/>
+              <a:rPr lang="zh-TW" altLang="en-US" dirty="0"/>
               <a:t> </a:t>
             </a:r>
             <a:r>
-              <a:rPr lang="en-US" altLang="zh-TW" dirty="0" smtClean="0"/>
+              <a:rPr lang="en-US" altLang="zh-TW" dirty="0"/>
               <a:t>Pyramid</a:t>
             </a:r>
-          </a:p>
-          <a:p>
             <a:r>
               <a:rPr lang="zh-TW" altLang="en-US" dirty="0"/>
-              <a:t>這是</a:t>
-            </a:r>
-            <a:r>
-              <a:rPr lang="zh-TW" altLang="en-US" dirty="0" smtClean="0"/>
-              <a:t>第二次</a:t>
+              <a:t>得到</a:t>
+            </a:r>
+            <a:r>
+              <a:rPr lang="en-US" altLang="zh-TW" dirty="0"/>
+              <a:t>level-1</a:t>
             </a:r>
             <a:r>
               <a:rPr lang="zh-TW" altLang="en-US" dirty="0"/>
-              <a:t>影像</a:t>
-            </a:r>
-            <a:r>
-              <a:rPr lang="zh-TW" altLang="en-US" dirty="0" smtClean="0"/>
-              <a:t>重建</a:t>
-            </a:r>
-            <a:endParaRPr lang="en-US" altLang="zh-TW" dirty="0" smtClean="0"/>
-          </a:p>
-          <a:p>
-            <a:r>
-              <a:rPr lang="zh-TW" altLang="en-US" dirty="0" smtClean="0"/>
+              <a:t> </a:t>
+            </a:r>
+            <a:r>
+              <a:rPr lang="en-US" altLang="zh-TW" dirty="0" err="1"/>
+              <a:t>Guassian</a:t>
+            </a:r>
+            <a:r>
+              <a:rPr lang="zh-TW" altLang="en-US" dirty="0"/>
+              <a:t> </a:t>
+            </a:r>
+            <a:r>
+              <a:rPr lang="en-US" altLang="zh-TW" dirty="0"/>
+              <a:t>Pyramid</a:t>
+            </a:r>
+          </a:p>
+          <a:p>
+            <a:r>
+              <a:rPr lang="zh-TW" altLang="en-US" dirty="0"/>
+              <a:t>這是第二次影像重建</a:t>
+            </a:r>
+            <a:endParaRPr lang="en-US" altLang="zh-TW" dirty="0"/>
+          </a:p>
+          <a:p>
+            <a:r>
+              <a:rPr lang="zh-TW" altLang="en-US" dirty="0"/>
               <a:t>成功將低解析度的影像重建為高解析度</a:t>
             </a:r>
-            <a:endParaRPr lang="en-US" altLang="zh-TW" dirty="0" smtClean="0"/>
+            <a:endParaRPr lang="en-US" altLang="zh-TW" dirty="0"/>
           </a:p>
         </p:txBody>
       </p:sp>
@@ -9973,13 +9935,6 @@
   <p:clrMapOvr>
     <a:masterClrMapping/>
   </p:clrMapOvr>
-  <p:timing>
-    <p:tnLst>
-      <p:par>
-        <p:cTn id="1" dur="indefinite" restart="never" nodeType="tmRoot"/>
-      </p:par>
-    </p:tnLst>
-  </p:timing>
 </p:sld>
 </file>
 
@@ -10059,17 +10014,13 @@
             </a:r>
             <a:r>
               <a:rPr lang="zh-TW" altLang="en-US" dirty="0"/>
-              <a:t>， 藉以產生不同尺度下的多組信號或圖片以進行後續的處理，例如在影像辨識上，可以藉由比對不同尺度下的圖片，以防止要尋找的內容可能在圖片上有不同的大小</a:t>
-            </a:r>
-            <a:r>
-              <a:rPr lang="zh-TW" altLang="en-US" dirty="0" smtClean="0"/>
-              <a:t>。</a:t>
-            </a:r>
-            <a:endParaRPr lang="en-US" altLang="zh-TW" dirty="0" smtClean="0"/>
-          </a:p>
-          <a:p>
-            <a:r>
-              <a:rPr lang="zh-TW" altLang="en-US" dirty="0" smtClean="0"/>
+              <a:t>， 藉以產生不同尺度下的多組信號或圖片以進行後續的處理，例如在影像辨識上，可以藉由比對不同尺度下的圖片，以防止要尋找的內容可能在圖片上有不同的大小。</a:t>
+            </a:r>
+            <a:endParaRPr lang="en-US" altLang="zh-TW" dirty="0"/>
+          </a:p>
+          <a:p>
+            <a:r>
+              <a:rPr lang="zh-TW" altLang="en-US" dirty="0"/>
               <a:t>利用本程式可以較為清楚的了解到影像金字塔層層取樣的結果。</a:t>
             </a:r>
             <a:endParaRPr lang="en-US" altLang="zh-TW" dirty="0"/>
@@ -10125,7 +10076,7 @@
           <a:lstStyle/>
           <a:p>
             <a:r>
-              <a:rPr lang="en-US" altLang="zh-TW" dirty="0" smtClean="0"/>
+              <a:rPr lang="en-US" altLang="zh-TW" dirty="0"/>
               <a:t>Outline</a:t>
             </a:r>
             <a:endParaRPr lang="zh-TW" altLang="en-US" dirty="0"/>
@@ -10153,32 +10104,32 @@
           <a:lstStyle/>
           <a:p>
             <a:r>
-              <a:rPr lang="zh-TW" altLang="en-US" dirty="0" smtClean="0"/>
+              <a:rPr lang="zh-TW" altLang="en-US" dirty="0"/>
               <a:t>影像金字塔原理</a:t>
             </a:r>
-            <a:endParaRPr lang="en-US" altLang="zh-TW" dirty="0" smtClean="0"/>
-          </a:p>
-          <a:p>
-            <a:r>
-              <a:rPr lang="en-US" altLang="zh-TW" dirty="0" smtClean="0"/>
+            <a:endParaRPr lang="en-US" altLang="zh-TW" dirty="0"/>
+          </a:p>
+          <a:p>
+            <a:r>
+              <a:rPr lang="en-US" altLang="zh-TW" dirty="0"/>
               <a:t>GUI Designer</a:t>
             </a:r>
           </a:p>
           <a:p>
             <a:r>
-              <a:rPr lang="en-US" altLang="zh-TW" dirty="0" smtClean="0"/>
+              <a:rPr lang="en-US" altLang="zh-TW" dirty="0"/>
               <a:t>Interface</a:t>
             </a:r>
           </a:p>
           <a:p>
             <a:r>
-              <a:rPr lang="en-US" altLang="zh-TW" dirty="0" smtClean="0"/>
+              <a:rPr lang="en-US" altLang="zh-TW" dirty="0"/>
               <a:t>Flow</a:t>
             </a:r>
           </a:p>
           <a:p>
             <a:r>
-              <a:rPr lang="en-US" altLang="zh-TW" dirty="0" smtClean="0"/>
+              <a:rPr lang="en-US" altLang="zh-TW" dirty="0"/>
               <a:t>Conclusion</a:t>
             </a:r>
           </a:p>
@@ -10276,10 +10227,6 @@
               <a:rPr lang="zh-TW" altLang="en-US" dirty="0"/>
               <a:t>影像金字塔原理</a:t>
             </a:r>
-            <a:r>
-              <a:rPr lang="en-US" altLang="zh-TW" dirty="0"/>
-              <a:t/>
-            </a:r>
             <a:br>
               <a:rPr lang="en-US" altLang="zh-TW" dirty="0"/>
             </a:br>
@@ -10314,16 +10261,12 @@
               <a:t>高斯金字塔</a:t>
             </a:r>
             <a:r>
-              <a:rPr lang="zh-TW" altLang="en-US" dirty="0" smtClean="0"/>
+              <a:rPr lang="zh-TW" altLang="en-US" dirty="0"/>
               <a:t>（</a:t>
             </a:r>
             <a:r>
-              <a:rPr lang="en-US" altLang="zh-TW" dirty="0" smtClean="0"/>
-              <a:t>Gaussian </a:t>
-            </a:r>
-            <a:r>
               <a:rPr lang="en-US" altLang="zh-TW" dirty="0"/>
-              <a:t>Pyramid</a:t>
+              <a:t>Gaussian Pyramid</a:t>
             </a:r>
             <a:r>
               <a:rPr lang="zh-TW" altLang="en-US" dirty="0"/>
@@ -10359,28 +10302,20 @@
               <a:rPr lang="zh-TW" altLang="en-US" dirty="0"/>
               <a:t>上所使用的一項技術。 </a:t>
             </a:r>
-            <a:endParaRPr lang="en-US" altLang="zh-TW" dirty="0" smtClean="0"/>
-          </a:p>
-          <a:p>
-            <a:r>
-              <a:rPr lang="zh-TW" altLang="en-US" dirty="0" smtClean="0"/>
-              <a:t>在</a:t>
-            </a:r>
+            <a:endParaRPr lang="en-US" altLang="zh-TW" dirty="0"/>
+          </a:p>
+          <a:p>
             <a:r>
               <a:rPr lang="zh-TW" altLang="en-US" dirty="0"/>
-              <a:t>建立高斯金字塔的時候，我們首先會將影像轉換為尺度空間的表示方式，亦即乘上不同大小的高斯函數，之後再依據取定的尺度向下取樣</a:t>
-            </a:r>
-            <a:r>
-              <a:rPr lang="zh-TW" altLang="en-US" dirty="0" smtClean="0"/>
-              <a:t>。</a:t>
-            </a:r>
-            <a:endParaRPr lang="en-US" altLang="zh-TW" dirty="0" smtClean="0"/>
-          </a:p>
-          <a:p>
+              <a:t>在建立高斯金字塔的時候，我們首先會將影像轉換為尺度空間的表示方式，亦即乘上不同大小的高斯函數，之後再依據取定的尺度向下取樣。</a:t>
+            </a:r>
             <a:endParaRPr lang="en-US" altLang="zh-TW" dirty="0"/>
           </a:p>
           <a:p>
-            <a:endParaRPr lang="en-US" altLang="zh-TW" dirty="0" smtClean="0"/>
+            <a:endParaRPr lang="en-US" altLang="zh-TW" dirty="0"/>
+          </a:p>
+          <a:p>
+            <a:endParaRPr lang="en-US" altLang="zh-TW" dirty="0"/>
           </a:p>
           <a:p>
             <a:r>
@@ -10511,10 +10446,6 @@
               <a:rPr lang="zh-TW" altLang="en-US" dirty="0"/>
               <a:t>影像金字塔原理</a:t>
             </a:r>
-            <a:r>
-              <a:rPr lang="en-US" altLang="zh-TW" dirty="0"/>
-              <a:t/>
-            </a:r>
             <a:br>
               <a:rPr lang="en-US" altLang="zh-TW" dirty="0"/>
             </a:br>
@@ -10545,69 +10476,40 @@
           <a:lstStyle/>
           <a:p>
             <a:r>
-              <a:rPr lang="zh-TW" altLang="en-US" b="1" dirty="0" smtClean="0"/>
-              <a:t>拉普拉斯</a:t>
-            </a:r>
-            <a:r>
               <a:rPr lang="zh-TW" altLang="en-US" b="1" dirty="0"/>
-              <a:t>金字塔</a:t>
-            </a:r>
-            <a:r>
-              <a:rPr lang="zh-TW" altLang="en-US" dirty="0" smtClean="0"/>
+              <a:t>拉普拉斯金字塔</a:t>
+            </a:r>
+            <a:r>
+              <a:rPr lang="zh-TW" altLang="en-US" dirty="0"/>
               <a:t>（</a:t>
             </a:r>
             <a:r>
-              <a:rPr lang="en-US" altLang="zh-TW" dirty="0" smtClean="0"/>
-              <a:t>Laplacian </a:t>
-            </a:r>
-            <a:r>
               <a:rPr lang="en-US" altLang="zh-TW" dirty="0"/>
-              <a:t>Pyramid</a:t>
-            </a:r>
-            <a:r>
-              <a:rPr lang="zh-TW" altLang="en-US" dirty="0" smtClean="0"/>
-              <a:t>）</a:t>
+              <a:t>Laplacian Pyramid</a:t>
             </a:r>
             <a:r>
               <a:rPr lang="zh-TW" altLang="en-US" dirty="0"/>
-              <a:t>根據高斯金字塔計算得來</a:t>
-            </a:r>
-            <a:r>
-              <a:rPr lang="zh-TW" altLang="en-US" dirty="0" smtClean="0"/>
-              <a:t>的</a:t>
-            </a:r>
-            <a:endParaRPr lang="en-US" altLang="zh-TW" dirty="0" smtClean="0"/>
-          </a:p>
-          <a:p>
+              <a:t>）根據高斯金字塔計算得來的</a:t>
+            </a:r>
             <a:endParaRPr lang="en-US" altLang="zh-TW" dirty="0"/>
           </a:p>
           <a:p>
-            <a:endParaRPr lang="en-US" altLang="zh-TW" dirty="0" smtClean="0"/>
-          </a:p>
-          <a:p>
             <a:endParaRPr lang="en-US" altLang="zh-TW" dirty="0"/>
           </a:p>
           <a:p>
-            <a:endParaRPr lang="en-US" altLang="zh-TW" dirty="0" smtClean="0"/>
+            <a:endParaRPr lang="en-US" altLang="zh-TW" dirty="0"/>
+          </a:p>
+          <a:p>
+            <a:endParaRPr lang="en-US" altLang="zh-TW" dirty="0"/>
+          </a:p>
+          <a:p>
+            <a:endParaRPr lang="en-US" altLang="zh-TW" dirty="0"/>
           </a:p>
           <a:p>
             <a:r>
               <a:rPr lang="zh-TW" altLang="en-US" dirty="0"/>
-              <a:t>利用拉普拉斯金字塔，可以實現</a:t>
-            </a:r>
-            <a:r>
-              <a:rPr lang="zh-TW" altLang="en-US" dirty="0" smtClean="0"/>
-              <a:t>圖像從低解析度到高解析度的</a:t>
-            </a:r>
-            <a:r>
-              <a:rPr lang="zh-TW" altLang="en-US" dirty="0"/>
-              <a:t>重建</a:t>
-            </a:r>
-            <a:r>
-              <a:rPr lang="zh-TW" altLang="en-US" dirty="0" smtClean="0"/>
-              <a:t>。</a:t>
-            </a:r>
-            <a:endParaRPr lang="zh-TW" altLang="en-US" dirty="0"/>
+              <a:t>利用拉普拉斯金字塔，可以實現圖像從低解析度到高解析度的重建。</a:t>
+            </a:r>
           </a:p>
         </p:txBody>
       </p:sp>
@@ -10685,13 +10587,6 @@
   <p:clrMapOvr>
     <a:masterClrMapping/>
   </p:clrMapOvr>
-  <p:timing>
-    <p:tnLst>
-      <p:par>
-        <p:cTn id="1" dur="indefinite" restart="never" nodeType="tmRoot"/>
-      </p:par>
-    </p:tnLst>
-  </p:timing>
 </p:sld>
 </file>
 
@@ -10759,47 +10654,39 @@
           <a:lstStyle/>
           <a:p>
             <a:r>
-              <a:rPr lang="zh-TW" altLang="en-US" dirty="0" smtClean="0"/>
+              <a:rPr lang="zh-TW" altLang="en-US" dirty="0"/>
               <a:t>本次</a:t>
             </a:r>
             <a:r>
-              <a:rPr lang="en-US" altLang="zh-TW" dirty="0" smtClean="0"/>
+              <a:rPr lang="en-US" altLang="zh-TW" dirty="0"/>
               <a:t>Project</a:t>
             </a:r>
             <a:r>
-              <a:rPr lang="zh-TW" altLang="en-US" dirty="0" smtClean="0"/>
+              <a:rPr lang="zh-TW" altLang="en-US" dirty="0"/>
               <a:t>嘗試重建</a:t>
             </a:r>
             <a:r>
-              <a:rPr lang="en-US" altLang="zh-TW" dirty="0" smtClean="0"/>
+              <a:rPr lang="en-US" altLang="zh-TW" dirty="0"/>
               <a:t>3</a:t>
             </a:r>
             <a:r>
-              <a:rPr lang="zh-TW" altLang="en-US" dirty="0" smtClean="0"/>
+              <a:rPr lang="zh-TW" altLang="en-US" dirty="0"/>
               <a:t>階的高斯金字塔以及</a:t>
             </a:r>
             <a:r>
-              <a:rPr lang="en-US" altLang="zh-TW" dirty="0" smtClean="0"/>
+              <a:rPr lang="en-US" altLang="zh-TW" dirty="0"/>
               <a:t>2</a:t>
             </a:r>
             <a:r>
-              <a:rPr lang="zh-TW" altLang="en-US" dirty="0" smtClean="0"/>
-              <a:t>階的</a:t>
-            </a:r>
-            <a:r>
               <a:rPr lang="zh-TW" altLang="en-US" dirty="0"/>
-              <a:t>拉普拉斯</a:t>
-            </a:r>
-            <a:r>
-              <a:rPr lang="zh-TW" altLang="en-US" dirty="0" smtClean="0"/>
-              <a:t>金字塔</a:t>
-            </a:r>
-            <a:endParaRPr lang="en-US" altLang="zh-TW" dirty="0" smtClean="0"/>
+              <a:t>階的拉普拉斯金字塔</a:t>
+            </a:r>
+            <a:endParaRPr lang="en-US" altLang="zh-TW" dirty="0"/>
           </a:p>
           <a:p>
             <a:pPr lvl="0"/>
             <a:r>
-              <a:rPr lang="zh-TW" altLang="en-US" dirty="0" smtClean="0">
+              <a:rPr lang="zh-TW" altLang="en-US" dirty="0">
                 <a:solidFill>
                   <a:prstClr val="white"/>
                 </a:solidFill>
@@ -10807,7 +10694,7 @@
               <a:t>由於</a:t>
             </a:r>
             <a:r>
-              <a:rPr lang="en-US" altLang="zh-TW" dirty="0" smtClean="0">
+              <a:rPr lang="en-US" altLang="zh-TW" dirty="0">
                 <a:solidFill>
                   <a:prstClr val="white"/>
                 </a:solidFill>
@@ -10815,7 +10702,7 @@
               <a:t>App Designer</a:t>
             </a:r>
             <a:r>
-              <a:rPr lang="zh-TW" altLang="en-US" dirty="0" smtClean="0">
+              <a:rPr lang="zh-TW" altLang="en-US" dirty="0">
                 <a:solidFill>
                   <a:prstClr val="white"/>
                 </a:solidFill>
@@ -10823,10 +10710,10 @@
               <a:t>上找不到方法可以劃出導引線，</a:t>
             </a:r>
             <a:r>
-              <a:rPr lang="zh-TW" altLang="en-US" dirty="0" smtClean="0"/>
+              <a:rPr lang="zh-TW" altLang="en-US" dirty="0"/>
               <a:t>因此暫時以額外輔助線在此簡報做簡說</a:t>
             </a:r>
-            <a:endParaRPr lang="en-US" altLang="zh-TW" dirty="0" smtClean="0">
+            <a:endParaRPr lang="en-US" altLang="zh-TW" dirty="0">
               <a:solidFill>
                 <a:prstClr val="white"/>
               </a:solidFill>
@@ -11723,13 +11610,6 @@
   <p:clrMapOvr>
     <a:masterClrMapping/>
   </p:clrMapOvr>
-  <p:timing>
-    <p:tnLst>
-      <p:par>
-        <p:cTn id="1" dur="indefinite" restart="never" nodeType="tmRoot"/>
-      </p:par>
-    </p:tnLst>
-  </p:timing>
 </p:sld>
 </file>
 
@@ -11793,10 +11673,9 @@
           <a:lstStyle/>
           <a:p>
             <a:r>
-              <a:rPr lang="zh-TW" altLang="en-US" dirty="0" smtClean="0"/>
+              <a:rPr lang="zh-TW" altLang="en-US" dirty="0"/>
               <a:t>選擇一張影像</a:t>
             </a:r>
-            <a:endParaRPr lang="zh-TW" altLang="en-US" dirty="0"/>
           </a:p>
         </p:txBody>
       </p:sp>
@@ -11834,13 +11713,6 @@
   <p:clrMapOvr>
     <a:masterClrMapping/>
   </p:clrMapOvr>
-  <p:timing>
-    <p:tnLst>
-      <p:par>
-        <p:cTn id="1" dur="indefinite" restart="never" nodeType="tmRoot"/>
-      </p:par>
-    </p:tnLst>
-  </p:timing>
 </p:sld>
 </file>
 
@@ -11909,14 +11781,13 @@
           <a:lstStyle/>
           <a:p>
             <a:r>
-              <a:rPr lang="en-US" altLang="zh-TW" dirty="0" smtClean="0"/>
+              <a:rPr lang="en-US" altLang="zh-TW" dirty="0"/>
               <a:t>Step1:</a:t>
             </a:r>
             <a:r>
-              <a:rPr lang="zh-TW" altLang="en-US" dirty="0" smtClean="0"/>
+              <a:rPr lang="zh-TW" altLang="en-US" dirty="0"/>
               <a:t> 讀入影像並轉成灰階</a:t>
             </a:r>
-            <a:endParaRPr lang="zh-TW" altLang="en-US" dirty="0"/>
           </a:p>
         </p:txBody>
       </p:sp>
@@ -12824,13 +12695,6 @@
   <p:clrMapOvr>
     <a:masterClrMapping/>
   </p:clrMapOvr>
-  <p:timing>
-    <p:tnLst>
-      <p:par>
-        <p:cTn id="1" dur="indefinite" restart="never" nodeType="tmRoot"/>
-      </p:par>
-    </p:tnLst>
-  </p:timing>
 </p:sld>
 </file>
 
@@ -12923,23 +12787,23 @@
           <a:lstStyle/>
           <a:p>
             <a:r>
-              <a:rPr lang="en-US" altLang="zh-TW" dirty="0" smtClean="0"/>
+              <a:rPr lang="en-US" altLang="zh-TW" dirty="0"/>
               <a:t>Step2:</a:t>
             </a:r>
             <a:r>
-              <a:rPr lang="zh-TW" altLang="en-US" dirty="0" smtClean="0"/>
+              <a:rPr lang="zh-TW" altLang="en-US" dirty="0"/>
               <a:t> 做</a:t>
             </a:r>
             <a:r>
-              <a:rPr lang="en-US" altLang="zh-TW" dirty="0" err="1" smtClean="0"/>
+              <a:rPr lang="en-US" altLang="zh-TW" dirty="0" err="1"/>
               <a:t>pydown</a:t>
             </a:r>
             <a:r>
-              <a:rPr lang="zh-TW" altLang="en-US" dirty="0" smtClean="0"/>
+              <a:rPr lang="zh-TW" altLang="en-US" dirty="0"/>
               <a:t>得</a:t>
             </a:r>
             <a:r>
-              <a:rPr lang="en-US" altLang="zh-TW" dirty="0" smtClean="0"/>
+              <a:rPr lang="en-US" altLang="zh-TW" dirty="0"/>
               <a:t>level-2</a:t>
             </a:r>
           </a:p>
@@ -12948,15 +12812,15 @@
               <a:buNone/>
             </a:pPr>
             <a:r>
-              <a:rPr lang="en-US" altLang="zh-TW" dirty="0" err="1" smtClean="0"/>
+              <a:rPr lang="en-US" altLang="zh-TW" dirty="0" err="1"/>
               <a:t>Guassian</a:t>
             </a:r>
             <a:r>
-              <a:rPr lang="zh-TW" altLang="en-US" dirty="0" smtClean="0"/>
+              <a:rPr lang="zh-TW" altLang="en-US" dirty="0"/>
               <a:t> </a:t>
             </a:r>
             <a:r>
-              <a:rPr lang="en-US" altLang="zh-TW" dirty="0" smtClean="0"/>
+              <a:rPr lang="en-US" altLang="zh-TW" dirty="0"/>
               <a:t>Pyramid</a:t>
             </a:r>
             <a:endParaRPr lang="zh-TW" altLang="en-US" dirty="0"/>
@@ -13828,13 +13692,6 @@
   <p:clrMapOvr>
     <a:masterClrMapping/>
   </p:clrMapOvr>
-  <p:timing>
-    <p:tnLst>
-      <p:par>
-        <p:cTn id="1" dur="indefinite" restart="never" nodeType="tmRoot"/>
-      </p:par>
-    </p:tnLst>
-  </p:timing>
 </p:sld>
 </file>
 
@@ -13927,63 +13784,63 @@
           <a:lstStyle/>
           <a:p>
             <a:r>
-              <a:rPr lang="en-US" altLang="zh-TW" dirty="0" smtClean="0"/>
+              <a:rPr lang="en-US" altLang="zh-TW" dirty="0"/>
               <a:t>Step3:</a:t>
             </a:r>
             <a:r>
-              <a:rPr lang="zh-TW" altLang="en-US" dirty="0" smtClean="0"/>
+              <a:rPr lang="zh-TW" altLang="en-US" dirty="0"/>
               <a:t> 再做一次</a:t>
             </a:r>
             <a:r>
-              <a:rPr lang="en-US" altLang="zh-TW" dirty="0" err="1" smtClean="0"/>
+              <a:rPr lang="en-US" altLang="zh-TW" dirty="0" err="1"/>
               <a:t>pydown</a:t>
             </a:r>
             <a:r>
-              <a:rPr lang="zh-TW" altLang="en-US" dirty="0" smtClean="0"/>
+              <a:rPr lang="zh-TW" altLang="en-US" dirty="0"/>
               <a:t>得</a:t>
             </a:r>
             <a:r>
-              <a:rPr lang="en-US" altLang="zh-TW" dirty="0" smtClean="0"/>
-              <a:t>level-2</a:t>
-            </a:r>
-            <a:r>
-              <a:rPr lang="zh-TW" altLang="en-US" dirty="0" smtClean="0"/>
+              <a:rPr lang="en-US" altLang="zh-TW" dirty="0"/>
+              <a:t>level-3</a:t>
+            </a:r>
+            <a:r>
+              <a:rPr lang="zh-TW" altLang="en-US" dirty="0"/>
+              <a:t> </a:t>
+            </a:r>
+            <a:r>
+              <a:rPr lang="en-US" altLang="zh-TW" dirty="0" err="1"/>
+              <a:t>Guassian</a:t>
+            </a:r>
+            <a:r>
+              <a:rPr lang="zh-TW" altLang="en-US" dirty="0"/>
+              <a:t> </a:t>
+            </a:r>
+            <a:r>
+              <a:rPr lang="en-US" altLang="zh-TW" dirty="0"/>
+              <a:t>Pyramid</a:t>
+            </a:r>
+            <a:r>
+              <a:rPr lang="zh-TW" altLang="en-US" dirty="0"/>
               <a:t>，同時此</a:t>
             </a:r>
             <a:r>
-              <a:rPr lang="en-US" altLang="zh-TW" dirty="0" smtClean="0"/>
+              <a:rPr lang="en-US" altLang="zh-TW" dirty="0"/>
               <a:t>Pyramid</a:t>
             </a:r>
             <a:r>
-              <a:rPr lang="zh-TW" altLang="en-US" dirty="0" smtClean="0"/>
-              <a:t>也令其為</a:t>
-            </a:r>
-            <a:r>
-              <a:rPr lang="en-US" altLang="zh-TW" dirty="0" smtClean="0"/>
-              <a:t>super</a:t>
-            </a:r>
-            <a:r>
-              <a:rPr lang="zh-TW" altLang="en-US" dirty="0" smtClean="0"/>
+              <a:rPr lang="zh-TW" altLang="en-US" dirty="0"/>
+              <a:t>也令其為重建後的</a:t>
+            </a:r>
+            <a:r>
+              <a:rPr lang="en-US" altLang="zh-TW" dirty="0"/>
+              <a:t>level-3</a:t>
+            </a:r>
+            <a:r>
+              <a:rPr lang="zh-TW" altLang="en-US" dirty="0"/>
               <a:t> </a:t>
             </a:r>
             <a:r>
-              <a:rPr lang="en-US" altLang="zh-TW" dirty="0" smtClean="0"/>
-              <a:t>resolute</a:t>
-            </a:r>
-            <a:r>
-              <a:rPr lang="zh-TW" altLang="en-US" dirty="0" smtClean="0"/>
-              <a:t> </a:t>
-            </a:r>
-            <a:r>
-              <a:rPr lang="en-US" altLang="zh-TW" dirty="0" smtClean="0"/>
-              <a:t>level-1</a:t>
-            </a:r>
-            <a:r>
-              <a:rPr lang="zh-TW" altLang="en-US" dirty="0" smtClean="0"/>
-              <a:t> </a:t>
-            </a:r>
-            <a:r>
-              <a:rPr lang="en-US" altLang="zh-TW" dirty="0" smtClean="0"/>
+              <a:rPr lang="en-US" altLang="zh-TW" dirty="0"/>
               <a:t>Pyramid</a:t>
             </a:r>
           </a:p>
@@ -14854,13 +14711,6 @@
   <p:clrMapOvr>
     <a:masterClrMapping/>
   </p:clrMapOvr>
-  <p:timing>
-    <p:tnLst>
-      <p:par>
-        <p:cTn id="1" dur="indefinite" restart="never" nodeType="tmRoot"/>
-      </p:par>
-    </p:tnLst>
-  </p:timing>
 </p:sld>
 </file>
 
